--- a/모바일_13.pptx
+++ b/모바일_13.pptx
@@ -6,10 +6,10 @@
     <p:sldMasterId id="2147483679" r:id="rId2"/>
   </p:sldMasterIdLst>
   <p:notesMasterIdLst>
-    <p:notesMasterId r:id="rId30"/>
+    <p:notesMasterId r:id="rId29"/>
   </p:notesMasterIdLst>
   <p:handoutMasterIdLst>
-    <p:handoutMasterId r:id="rId31"/>
+    <p:handoutMasterId r:id="rId30"/>
   </p:handoutMasterIdLst>
   <p:sldIdLst>
     <p:sldId id="510" r:id="rId3"/>
@@ -38,7 +38,6 @@
     <p:sldId id="535" r:id="rId26"/>
     <p:sldId id="536" r:id="rId27"/>
     <p:sldId id="537" r:id="rId28"/>
-    <p:sldId id="538" r:id="rId29"/>
   </p:sldIdLst>
   <p:sldSz cx="9144000" cy="6858000" type="screen4x3"/>
   <p:notesSz cx="6858000" cy="9144000"/>
@@ -249,7 +248,7 @@
           <a:p>
             <a:fld id="{DEDC508C-CC5F-4539-B857-10658B5980CA}" type="datetimeFigureOut">
               <a:rPr lang="ko-KR" altLang="en-US" smtClean="0"/>
-              <a:t>2018-06-03</a:t>
+              <a:t>2018-06-08</a:t>
             </a:fld>
             <a:endParaRPr lang="ko-KR" altLang="en-US"/>
           </a:p>
@@ -414,7 +413,7 @@
           <a:p>
             <a:fld id="{EF4C9EC8-2009-4890-843E-AC122F09E04A}" type="datetimeFigureOut">
               <a:rPr lang="ko-KR" altLang="en-US" smtClean="0"/>
-              <a:t>2018-06-03</a:t>
+              <a:t>2018-06-08</a:t>
             </a:fld>
             <a:endParaRPr lang="ko-KR" altLang="en-US"/>
           </a:p>
@@ -1212,7 +1211,7 @@
             <a:fld id="{ACDF6120-F1F0-4C60-9FE9-39AC71A9C79D}" type="datetimeFigureOut">
               <a:rPr lang="en-US" smtClean="0"/>
               <a:pPr eaLnBrk="1" latinLnBrk="0" hangingPunct="1"/>
-              <a:t>6/3/2018</a:t>
+              <a:t>6/8/2018</a:t>
             </a:fld>
             <a:endParaRPr lang="en-US" sz="1600" dirty="0"/>
           </a:p>
@@ -1587,7 +1586,7 @@
               <a:pPr>
                 <a:defRPr/>
               </a:pPr>
-              <a:t>2018-06-03</a:t>
+              <a:t>2018-06-08</a:t>
             </a:fld>
             <a:endParaRPr lang="ko-KR" altLang="en-US"/>
           </a:p>
@@ -1871,7 +1870,7 @@
               <a:pPr>
                 <a:defRPr/>
               </a:pPr>
-              <a:t>2018-06-03</a:t>
+              <a:t>2018-06-08</a:t>
             </a:fld>
             <a:endParaRPr lang="ko-KR" altLang="en-US"/>
           </a:p>
@@ -2106,7 +2105,7 @@
               <a:pPr>
                 <a:defRPr/>
               </a:pPr>
-              <a:t>2018-06-03</a:t>
+              <a:t>2018-06-08</a:t>
             </a:fld>
             <a:endParaRPr lang="ko-KR" altLang="en-US"/>
           </a:p>
@@ -2473,7 +2472,7 @@
               <a:pPr>
                 <a:defRPr/>
               </a:pPr>
-              <a:t>2018-06-03</a:t>
+              <a:t>2018-06-08</a:t>
             </a:fld>
             <a:endParaRPr lang="ko-KR" altLang="en-US"/>
           </a:p>
@@ -2716,7 +2715,7 @@
             <a:fld id="{ACDF6120-F1F0-4C60-9FE9-39AC71A9C79D}" type="datetimeFigureOut">
               <a:rPr lang="en-US" smtClean="0"/>
               <a:pPr eaLnBrk="1" latinLnBrk="0" hangingPunct="1"/>
-              <a:t>6/3/2018</a:t>
+              <a:t>6/8/2018</a:t>
             </a:fld>
             <a:endParaRPr lang="en-US"/>
           </a:p>
@@ -3046,7 +3045,7 @@
               <a:pPr>
                 <a:defRPr/>
               </a:pPr>
-              <a:t>2018-06-03</a:t>
+              <a:t>2018-06-08</a:t>
             </a:fld>
             <a:endParaRPr lang="ko-KR" altLang="en-US"/>
           </a:p>
@@ -3338,7 +3337,7 @@
               <a:pPr>
                 <a:defRPr/>
               </a:pPr>
-              <a:t>2018-06-03</a:t>
+              <a:t>2018-06-08</a:t>
             </a:fld>
             <a:endParaRPr lang="ko-KR" altLang="en-US"/>
           </a:p>
@@ -3760,7 +3759,7 @@
               <a:pPr>
                 <a:defRPr/>
               </a:pPr>
-              <a:t>2018-06-03</a:t>
+              <a:t>2018-06-08</a:t>
             </a:fld>
             <a:endParaRPr lang="ko-KR" altLang="en-US"/>
           </a:p>
@@ -4072,7 +4071,7 @@
               <a:pPr>
                 <a:defRPr/>
               </a:pPr>
-              <a:t>2018-06-03</a:t>
+              <a:t>2018-06-08</a:t>
             </a:fld>
             <a:endParaRPr lang="ko-KR" altLang="en-US"/>
           </a:p>
@@ -4651,7 +4650,7 @@
               <a:pPr>
                 <a:defRPr/>
               </a:pPr>
-              <a:t>2018-06-03</a:t>
+              <a:t>2018-06-08</a:t>
             </a:fld>
             <a:endParaRPr lang="ko-KR" altLang="en-US"/>
           </a:p>
@@ -9086,7 +9085,7 @@
               <a:pPr>
                 <a:defRPr/>
               </a:pPr>
-              <a:t>2018-06-03</a:t>
+              <a:t>2018-06-08</a:t>
             </a:fld>
             <a:endParaRPr lang="ko-KR" altLang="en-US"/>
           </a:p>
@@ -9767,7 +9766,7 @@
               <a:pPr>
                 <a:defRPr/>
               </a:pPr>
-              <a:t>2018-06-03</a:t>
+              <a:t>2018-06-08</a:t>
             </a:fld>
             <a:endParaRPr lang="ko-KR" altLang="en-US"/>
           </a:p>
@@ -11855,7 +11854,7 @@
         </p:blipFill>
         <p:spPr>
           <a:xfrm>
-            <a:off x="4413778" y="3067520"/>
+            <a:off x="4555221" y="1845215"/>
             <a:ext cx="4730222" cy="2675960"/>
           </a:xfrm>
           <a:prstGeom prst="rect">
@@ -13496,7 +13495,7 @@
           </p:cNvPicPr>
           <p:nvPr/>
         </p:nvPicPr>
-        <p:blipFill>
+        <p:blipFill rotWithShape="1">
           <a:blip r:embed="rId2">
             <a:extLst>
               <a:ext uri="{28A0092B-C50C-407E-A947-70E740481C1C}">
@@ -13504,14 +13503,13 @@
               </a:ext>
             </a:extLst>
           </a:blip>
-          <a:stretch>
-            <a:fillRect/>
-          </a:stretch>
+          <a:srcRect t="8319"/>
+          <a:stretch/>
         </p:blipFill>
         <p:spPr>
           <a:xfrm>
-            <a:off x="461482" y="1625791"/>
-            <a:ext cx="8220075" cy="4438650"/>
+            <a:off x="461482" y="1995055"/>
+            <a:ext cx="8220075" cy="4069386"/>
           </a:xfrm>
           <a:prstGeom prst="rect">
             <a:avLst/>
@@ -15909,7 +15907,7 @@
         </p:blipFill>
         <p:spPr>
           <a:xfrm>
-            <a:off x="789732" y="2212848"/>
+            <a:off x="540350" y="2135981"/>
             <a:ext cx="6682220" cy="4245347"/>
           </a:xfrm>
           <a:prstGeom prst="rect">
@@ -15939,8 +15937,8 @@
         </p:blipFill>
         <p:spPr>
           <a:xfrm>
-            <a:off x="926892" y="1539569"/>
-            <a:ext cx="5233430" cy="584877"/>
+            <a:off x="677510" y="1412086"/>
+            <a:ext cx="6018854" cy="672654"/>
           </a:xfrm>
           <a:prstGeom prst="rect">
             <a:avLst/>
@@ -15951,297 +15949,6 @@
     <p:extLst>
       <p:ext uri="{BB962C8B-B14F-4D97-AF65-F5344CB8AC3E}">
         <p14:creationId xmlns:p14="http://schemas.microsoft.com/office/powerpoint/2010/main" val="4097607588"/>
-      </p:ext>
-    </p:extLst>
-  </p:cSld>
-  <p:clrMapOvr>
-    <a:masterClrMapping/>
-  </p:clrMapOvr>
-  <p:timing>
-    <p:tnLst>
-      <p:par>
-        <p:cTn id="1" dur="indefinite" restart="never" nodeType="tmRoot"/>
-      </p:par>
-    </p:tnLst>
-  </p:timing>
-</p:sld>
-</file>
-
-<file path=ppt/slides/slide27.xml><?xml version="1.0" encoding="utf-8"?>
-<p:sld xmlns:a="http://schemas.openxmlformats.org/drawingml/2006/main" xmlns:r="http://schemas.openxmlformats.org/officeDocument/2006/relationships" xmlns:p="http://schemas.openxmlformats.org/presentationml/2006/main">
-  <p:cSld>
-    <p:spTree>
-      <p:nvGrpSpPr>
-        <p:cNvPr id="1" name=""/>
-        <p:cNvGrpSpPr/>
-        <p:nvPr/>
-      </p:nvGrpSpPr>
-      <p:grpSpPr>
-        <a:xfrm>
-          <a:off x="0" y="0"/>
-          <a:ext cx="0" cy="0"/>
-          <a:chOff x="0" y="0"/>
-          <a:chExt cx="0" cy="0"/>
-        </a:xfrm>
-      </p:grpSpPr>
-      <p:sp>
-        <p:nvSpPr>
-          <p:cNvPr id="4" name="내용 개체 틀 2"/>
-          <p:cNvSpPr>
-            <a:spLocks noGrp="1"/>
-          </p:cNvSpPr>
-          <p:nvPr>
-            <p:ph idx="1"/>
-          </p:nvPr>
-        </p:nvSpPr>
-        <p:spPr/>
-        <p:txBody>
-          <a:bodyPr/>
-          <a:lstStyle/>
-          <a:p>
-            <a:pPr marL="606425" lvl="1" indent="-342900">
-              <a:buFont typeface="Wingdings" pitchFamily="2" charset="2"/>
-              <a:buChar char="v"/>
-            </a:pPr>
-            <a:r>
-              <a:rPr lang="ko-KR" altLang="en-US" sz="2400" b="1" dirty="0">
-                <a:latin typeface="맑은 고딕" pitchFamily="50" charset="-127"/>
-                <a:ea typeface="맑은 고딕" pitchFamily="50" charset="-127"/>
-              </a:rPr>
-              <a:t>스레드 응용 예제 </a:t>
-            </a:r>
-            <a:r>
-              <a:rPr lang="en-US" altLang="ko-KR" sz="2400" b="1" dirty="0">
-                <a:latin typeface="맑은 고딕" pitchFamily="50" charset="-127"/>
-                <a:ea typeface="맑은 고딕" pitchFamily="50" charset="-127"/>
-              </a:rPr>
-              <a:t>Java </a:t>
-            </a:r>
-            <a:r>
-              <a:rPr lang="ko-KR" altLang="en-US" sz="2400" b="1" dirty="0" smtClean="0">
-                <a:latin typeface="맑은 고딕" pitchFamily="50" charset="-127"/>
-                <a:ea typeface="맑은 고딕" pitchFamily="50" charset="-127"/>
-              </a:rPr>
-              <a:t>코드</a:t>
-            </a:r>
-            <a:endParaRPr lang="en-US" altLang="ko-KR" sz="2400" b="1" dirty="0" smtClean="0">
-              <a:latin typeface="맑은 고딕" pitchFamily="50" charset="-127"/>
-              <a:ea typeface="맑은 고딕" pitchFamily="50" charset="-127"/>
-            </a:endParaRPr>
-          </a:p>
-          <a:p>
-            <a:pPr marL="882650" lvl="2" indent="-342900">
-              <a:buFont typeface="Wingdings" panose="05000000000000000000" pitchFamily="2" charset="2"/>
-              <a:buChar char="ü"/>
-            </a:pPr>
-            <a:r>
-              <a:rPr lang="ko-KR" altLang="en-US" b="1" dirty="0" smtClean="0">
-                <a:latin typeface="맑은 고딕" pitchFamily="50" charset="-127"/>
-                <a:ea typeface="맑은 고딕" pitchFamily="50" charset="-127"/>
-              </a:rPr>
-              <a:t>음악이 중지되고 프로그레스바와 진행 시간을 초기화하려면 아래 코드로 변경</a:t>
-            </a:r>
-            <a:endParaRPr lang="ko-KR" altLang="en-US" b="1" dirty="0">
-              <a:latin typeface="맑은 고딕" pitchFamily="50" charset="-127"/>
-              <a:ea typeface="맑은 고딕" pitchFamily="50" charset="-127"/>
-            </a:endParaRPr>
-          </a:p>
-          <a:p>
-            <a:pPr marL="882650" lvl="2" indent="-342900">
-              <a:buFont typeface="Wingdings" panose="05000000000000000000" pitchFamily="2" charset="2"/>
-              <a:buChar char="ü"/>
-            </a:pPr>
-            <a:endParaRPr lang="ko-KR" altLang="en-US" b="1" dirty="0">
-              <a:latin typeface="맑은 고딕" pitchFamily="50" charset="-127"/>
-              <a:ea typeface="맑은 고딕" pitchFamily="50" charset="-127"/>
-            </a:endParaRPr>
-          </a:p>
-          <a:p>
-            <a:pPr marL="539750" lvl="2" indent="0">
-              <a:buNone/>
-            </a:pPr>
-            <a:endParaRPr lang="en-US" altLang="ko-KR" b="1" dirty="0" smtClean="0">
-              <a:latin typeface="맑은 고딕" pitchFamily="50" charset="-127"/>
-              <a:ea typeface="맑은 고딕" pitchFamily="50" charset="-127"/>
-            </a:endParaRPr>
-          </a:p>
-          <a:p>
-            <a:pPr marL="539750" lvl="2" indent="0">
-              <a:buNone/>
-            </a:pPr>
-            <a:endParaRPr lang="en-US" altLang="ko-KR" b="1" dirty="0">
-              <a:latin typeface="맑은 고딕" pitchFamily="50" charset="-127"/>
-              <a:ea typeface="맑은 고딕" pitchFamily="50" charset="-127"/>
-            </a:endParaRPr>
-          </a:p>
-          <a:p>
-            <a:pPr marL="539750" lvl="2" indent="0">
-              <a:buNone/>
-            </a:pPr>
-            <a:endParaRPr lang="en-US" altLang="ko-KR" b="1" dirty="0" smtClean="0">
-              <a:latin typeface="맑은 고딕" pitchFamily="50" charset="-127"/>
-              <a:ea typeface="맑은 고딕" pitchFamily="50" charset="-127"/>
-            </a:endParaRPr>
-          </a:p>
-          <a:p>
-            <a:pPr marL="539750" lvl="2" indent="0">
-              <a:buNone/>
-            </a:pPr>
-            <a:endParaRPr lang="en-US" altLang="ko-KR" b="1" dirty="0">
-              <a:latin typeface="맑은 고딕" pitchFamily="50" charset="-127"/>
-              <a:ea typeface="맑은 고딕" pitchFamily="50" charset="-127"/>
-            </a:endParaRPr>
-          </a:p>
-          <a:p>
-            <a:pPr marL="539750" lvl="2" indent="0">
-              <a:buNone/>
-            </a:pPr>
-            <a:endParaRPr lang="en-US" altLang="ko-KR" b="1" dirty="0" smtClean="0">
-              <a:latin typeface="맑은 고딕" pitchFamily="50" charset="-127"/>
-              <a:ea typeface="맑은 고딕" pitchFamily="50" charset="-127"/>
-            </a:endParaRPr>
-          </a:p>
-          <a:p>
-            <a:pPr marL="539750" lvl="2" indent="0">
-              <a:buNone/>
-            </a:pPr>
-            <a:endParaRPr lang="en-US" altLang="ko-KR" b="1" dirty="0">
-              <a:latin typeface="맑은 고딕" pitchFamily="50" charset="-127"/>
-              <a:ea typeface="맑은 고딕" pitchFamily="50" charset="-127"/>
-            </a:endParaRPr>
-          </a:p>
-          <a:p>
-            <a:pPr marL="539750" lvl="2" indent="0">
-              <a:buNone/>
-            </a:pPr>
-            <a:endParaRPr lang="en-US" altLang="ko-KR" b="1" dirty="0">
-              <a:latin typeface="맑은 고딕" pitchFamily="50" charset="-127"/>
-              <a:ea typeface="맑은 고딕" pitchFamily="50" charset="-127"/>
-            </a:endParaRPr>
-          </a:p>
-          <a:p>
-            <a:pPr marL="606425" lvl="1" indent="-342900">
-              <a:buFont typeface="Wingdings" pitchFamily="2" charset="2"/>
-              <a:buChar char="v"/>
-            </a:pPr>
-            <a:endParaRPr lang="en-US" altLang="ko-KR" b="1" dirty="0" smtClean="0">
-              <a:latin typeface="맑은 고딕" pitchFamily="50" charset="-127"/>
-              <a:ea typeface="맑은 고딕" pitchFamily="50" charset="-127"/>
-            </a:endParaRPr>
-          </a:p>
-        </p:txBody>
-      </p:sp>
-      <p:sp>
-        <p:nvSpPr>
-          <p:cNvPr id="15362" name="제목 1"/>
-          <p:cNvSpPr>
-            <a:spLocks noGrp="1"/>
-          </p:cNvSpPr>
-          <p:nvPr>
-            <p:ph type="title"/>
-          </p:nvPr>
-        </p:nvSpPr>
-        <p:spPr/>
-        <p:txBody>
-          <a:bodyPr/>
-          <a:lstStyle/>
-          <a:p>
-            <a:r>
-              <a:rPr lang="en-US" altLang="ko-KR" dirty="0"/>
-              <a:t>2</a:t>
-            </a:r>
-            <a:r>
-              <a:rPr lang="en-US" altLang="ko-KR" dirty="0" smtClean="0"/>
-              <a:t>. </a:t>
-            </a:r>
-            <a:r>
-              <a:rPr lang="ko-KR" altLang="en-US" dirty="0" smtClean="0"/>
-              <a:t>스레드 ▶</a:t>
-            </a:r>
-            <a:r>
-              <a:rPr lang="ko-KR" altLang="en-US" sz="2400" dirty="0" smtClean="0"/>
-              <a:t>스레드 응용</a:t>
-            </a:r>
-          </a:p>
-        </p:txBody>
-      </p:sp>
-      <p:sp>
-        <p:nvSpPr>
-          <p:cNvPr id="2" name="내용 개체 틀 1"/>
-          <p:cNvSpPr>
-            <a:spLocks noGrp="1"/>
-          </p:cNvSpPr>
-          <p:nvPr>
-            <p:ph sz="quarter" idx="10"/>
-          </p:nvPr>
-        </p:nvSpPr>
-        <p:spPr/>
-        <p:txBody>
-          <a:bodyPr/>
-          <a:lstStyle/>
-          <a:p>
-            <a:endParaRPr lang="ko-KR" altLang="en-US"/>
-          </a:p>
-        </p:txBody>
-      </p:sp>
-      <p:pic>
-        <p:nvPicPr>
-          <p:cNvPr id="3" name="그림 2"/>
-          <p:cNvPicPr>
-            <a:picLocks noChangeAspect="1"/>
-          </p:cNvPicPr>
-          <p:nvPr/>
-        </p:nvPicPr>
-        <p:blipFill>
-          <a:blip r:embed="rId2">
-            <a:extLst>
-              <a:ext uri="{28A0092B-C50C-407E-A947-70E740481C1C}">
-                <a14:useLocalDpi xmlns:a14="http://schemas.microsoft.com/office/drawing/2010/main" val="0"/>
-              </a:ext>
-            </a:extLst>
-          </a:blip>
-          <a:stretch>
-            <a:fillRect/>
-          </a:stretch>
-        </p:blipFill>
-        <p:spPr>
-          <a:xfrm>
-            <a:off x="459471" y="1959640"/>
-            <a:ext cx="8191500" cy="962025"/>
-          </a:xfrm>
-          <a:prstGeom prst="rect">
-            <a:avLst/>
-          </a:prstGeom>
-        </p:spPr>
-      </p:pic>
-      <p:pic>
-        <p:nvPicPr>
-          <p:cNvPr id="6" name="그림 5"/>
-          <p:cNvPicPr>
-            <a:picLocks noChangeAspect="1"/>
-          </p:cNvPicPr>
-          <p:nvPr/>
-        </p:nvPicPr>
-        <p:blipFill>
-          <a:blip r:embed="rId3"/>
-          <a:stretch>
-            <a:fillRect/>
-          </a:stretch>
-        </p:blipFill>
-        <p:spPr>
-          <a:xfrm>
-            <a:off x="574358" y="2921665"/>
-            <a:ext cx="4083204" cy="2604897"/>
-          </a:xfrm>
-          <a:prstGeom prst="rect">
-            <a:avLst/>
-          </a:prstGeom>
-        </p:spPr>
-      </p:pic>
-    </p:spTree>
-    <p:extLst>
-      <p:ext uri="{BB962C8B-B14F-4D97-AF65-F5344CB8AC3E}">
-        <p14:creationId xmlns:p14="http://schemas.microsoft.com/office/powerpoint/2010/main" val="4249689971"/>
       </p:ext>
     </p:extLst>
   </p:cSld>
